--- a/important files/myppt.pptx
+++ b/important files/myppt.pptx
@@ -261,7 +261,7 @@
           <a:p>
             <a:fld id="{552175DE-7323-41CB-A6EC-0DFA266E01ED}" type="datetimeFigureOut">
               <a:rPr lang="en-IN" smtClean="0"/>
-              <a:t>07-03-2023</a:t>
+              <a:t>10-03-2023</a:t>
             </a:fld>
             <a:endParaRPr lang="en-IN"/>
           </a:p>
@@ -461,7 +461,7 @@
           <a:p>
             <a:fld id="{552175DE-7323-41CB-A6EC-0DFA266E01ED}" type="datetimeFigureOut">
               <a:rPr lang="en-IN" smtClean="0"/>
-              <a:t>07-03-2023</a:t>
+              <a:t>10-03-2023</a:t>
             </a:fld>
             <a:endParaRPr lang="en-IN"/>
           </a:p>
@@ -671,7 +671,7 @@
           <a:p>
             <a:fld id="{552175DE-7323-41CB-A6EC-0DFA266E01ED}" type="datetimeFigureOut">
               <a:rPr lang="en-IN" smtClean="0"/>
-              <a:t>07-03-2023</a:t>
+              <a:t>10-03-2023</a:t>
             </a:fld>
             <a:endParaRPr lang="en-IN"/>
           </a:p>
@@ -871,7 +871,7 @@
           <a:p>
             <a:fld id="{552175DE-7323-41CB-A6EC-0DFA266E01ED}" type="datetimeFigureOut">
               <a:rPr lang="en-IN" smtClean="0"/>
-              <a:t>07-03-2023</a:t>
+              <a:t>10-03-2023</a:t>
             </a:fld>
             <a:endParaRPr lang="en-IN"/>
           </a:p>
@@ -1147,7 +1147,7 @@
           <a:p>
             <a:fld id="{552175DE-7323-41CB-A6EC-0DFA266E01ED}" type="datetimeFigureOut">
               <a:rPr lang="en-IN" smtClean="0"/>
-              <a:t>07-03-2023</a:t>
+              <a:t>10-03-2023</a:t>
             </a:fld>
             <a:endParaRPr lang="en-IN"/>
           </a:p>
@@ -1415,7 +1415,7 @@
           <a:p>
             <a:fld id="{552175DE-7323-41CB-A6EC-0DFA266E01ED}" type="datetimeFigureOut">
               <a:rPr lang="en-IN" smtClean="0"/>
-              <a:t>07-03-2023</a:t>
+              <a:t>10-03-2023</a:t>
             </a:fld>
             <a:endParaRPr lang="en-IN"/>
           </a:p>
@@ -1830,7 +1830,7 @@
           <a:p>
             <a:fld id="{552175DE-7323-41CB-A6EC-0DFA266E01ED}" type="datetimeFigureOut">
               <a:rPr lang="en-IN" smtClean="0"/>
-              <a:t>07-03-2023</a:t>
+              <a:t>10-03-2023</a:t>
             </a:fld>
             <a:endParaRPr lang="en-IN"/>
           </a:p>
@@ -1972,7 +1972,7 @@
           <a:p>
             <a:fld id="{552175DE-7323-41CB-A6EC-0DFA266E01ED}" type="datetimeFigureOut">
               <a:rPr lang="en-IN" smtClean="0"/>
-              <a:t>07-03-2023</a:t>
+              <a:t>10-03-2023</a:t>
             </a:fld>
             <a:endParaRPr lang="en-IN"/>
           </a:p>
@@ -2085,7 +2085,7 @@
           <a:p>
             <a:fld id="{552175DE-7323-41CB-A6EC-0DFA266E01ED}" type="datetimeFigureOut">
               <a:rPr lang="en-IN" smtClean="0"/>
-              <a:t>07-03-2023</a:t>
+              <a:t>10-03-2023</a:t>
             </a:fld>
             <a:endParaRPr lang="en-IN"/>
           </a:p>
@@ -2398,7 +2398,7 @@
           <a:p>
             <a:fld id="{552175DE-7323-41CB-A6EC-0DFA266E01ED}" type="datetimeFigureOut">
               <a:rPr lang="en-IN" smtClean="0"/>
-              <a:t>07-03-2023</a:t>
+              <a:t>10-03-2023</a:t>
             </a:fld>
             <a:endParaRPr lang="en-IN"/>
           </a:p>
@@ -2687,7 +2687,7 @@
           <a:p>
             <a:fld id="{552175DE-7323-41CB-A6EC-0DFA266E01ED}" type="datetimeFigureOut">
               <a:rPr lang="en-IN" smtClean="0"/>
-              <a:t>07-03-2023</a:t>
+              <a:t>10-03-2023</a:t>
             </a:fld>
             <a:endParaRPr lang="en-IN"/>
           </a:p>
@@ -2930,7 +2930,7 @@
           <a:p>
             <a:fld id="{552175DE-7323-41CB-A6EC-0DFA266E01ED}" type="datetimeFigureOut">
               <a:rPr lang="en-IN" smtClean="0"/>
-              <a:t>07-03-2023</a:t>
+              <a:t>10-03-2023</a:t>
             </a:fld>
             <a:endParaRPr lang="en-IN"/>
           </a:p>
@@ -3370,8 +3370,9 @@
           <a:p>
             <a:r>
               <a:rPr lang="en-IN"/>
-              <a:t>ho</a:t>
-            </a:r>
+              <a:t>hello</a:t>
+            </a:r>
+            <a:endParaRPr lang="en-IN" dirty="0"/>
           </a:p>
         </p:txBody>
       </p:sp>
